--- a/こころアップタイム　デバック結果　2020 1120.pptx
+++ b/こころアップタイム　デバック結果　2020 1120.pptx
@@ -246,7 +246,7 @@
           <a:p>
             <a:fld id="{84943254-C9CD-47B7-9CF2-865680382494}" type="datetimeFigureOut">
               <a:rPr kumimoji="1" lang="ja-JP" altLang="en-US" smtClean="0"/>
-              <a:t>2020/11/26</a:t>
+              <a:t>2020/12/7</a:t>
             </a:fld>
             <a:endParaRPr kumimoji="1" lang="ja-JP" altLang="en-US"/>
           </a:p>
@@ -448,7 +448,7 @@
           <a:p>
             <a:fld id="{84943254-C9CD-47B7-9CF2-865680382494}" type="datetimeFigureOut">
               <a:rPr kumimoji="1" lang="ja-JP" altLang="en-US" smtClean="0"/>
-              <a:t>2020/11/26</a:t>
+              <a:t>2020/12/7</a:t>
             </a:fld>
             <a:endParaRPr kumimoji="1" lang="ja-JP" altLang="en-US"/>
           </a:p>
@@ -660,7 +660,7 @@
           <a:p>
             <a:fld id="{84943254-C9CD-47B7-9CF2-865680382494}" type="datetimeFigureOut">
               <a:rPr kumimoji="1" lang="ja-JP" altLang="en-US" smtClean="0"/>
-              <a:t>2020/11/26</a:t>
+              <a:t>2020/12/7</a:t>
             </a:fld>
             <a:endParaRPr kumimoji="1" lang="ja-JP" altLang="en-US"/>
           </a:p>
@@ -862,7 +862,7 @@
           <a:p>
             <a:fld id="{84943254-C9CD-47B7-9CF2-865680382494}" type="datetimeFigureOut">
               <a:rPr kumimoji="1" lang="ja-JP" altLang="en-US" smtClean="0"/>
-              <a:t>2020/11/26</a:t>
+              <a:t>2020/12/7</a:t>
             </a:fld>
             <a:endParaRPr kumimoji="1" lang="ja-JP" altLang="en-US"/>
           </a:p>
@@ -1108,7 +1108,7 @@
           <a:p>
             <a:fld id="{84943254-C9CD-47B7-9CF2-865680382494}" type="datetimeFigureOut">
               <a:rPr kumimoji="1" lang="ja-JP" altLang="en-US" smtClean="0"/>
-              <a:t>2020/11/26</a:t>
+              <a:t>2020/12/7</a:t>
             </a:fld>
             <a:endParaRPr kumimoji="1" lang="ja-JP" altLang="en-US"/>
           </a:p>
@@ -1404,7 +1404,7 @@
           <a:p>
             <a:fld id="{84943254-C9CD-47B7-9CF2-865680382494}" type="datetimeFigureOut">
               <a:rPr kumimoji="1" lang="ja-JP" altLang="en-US" smtClean="0"/>
-              <a:t>2020/11/26</a:t>
+              <a:t>2020/12/7</a:t>
             </a:fld>
             <a:endParaRPr kumimoji="1" lang="ja-JP" altLang="en-US"/>
           </a:p>
@@ -1835,7 +1835,7 @@
           <a:p>
             <a:fld id="{84943254-C9CD-47B7-9CF2-865680382494}" type="datetimeFigureOut">
               <a:rPr kumimoji="1" lang="ja-JP" altLang="en-US" smtClean="0"/>
-              <a:t>2020/11/26</a:t>
+              <a:t>2020/12/7</a:t>
             </a:fld>
             <a:endParaRPr kumimoji="1" lang="ja-JP" altLang="en-US"/>
           </a:p>
@@ -1953,7 +1953,7 @@
           <a:p>
             <a:fld id="{84943254-C9CD-47B7-9CF2-865680382494}" type="datetimeFigureOut">
               <a:rPr kumimoji="1" lang="ja-JP" altLang="en-US" smtClean="0"/>
-              <a:t>2020/11/26</a:t>
+              <a:t>2020/12/7</a:t>
             </a:fld>
             <a:endParaRPr kumimoji="1" lang="ja-JP" altLang="en-US"/>
           </a:p>
@@ -2048,7 +2048,7 @@
           <a:p>
             <a:fld id="{84943254-C9CD-47B7-9CF2-865680382494}" type="datetimeFigureOut">
               <a:rPr kumimoji="1" lang="ja-JP" altLang="en-US" smtClean="0"/>
-              <a:t>2020/11/26</a:t>
+              <a:t>2020/12/7</a:t>
             </a:fld>
             <a:endParaRPr kumimoji="1" lang="ja-JP" altLang="en-US"/>
           </a:p>
@@ -2357,7 +2357,7 @@
           <a:p>
             <a:fld id="{84943254-C9CD-47B7-9CF2-865680382494}" type="datetimeFigureOut">
               <a:rPr kumimoji="1" lang="ja-JP" altLang="en-US" smtClean="0"/>
-              <a:t>2020/11/26</a:t>
+              <a:t>2020/12/7</a:t>
             </a:fld>
             <a:endParaRPr kumimoji="1" lang="ja-JP" altLang="en-US"/>
           </a:p>
@@ -2610,7 +2610,7 @@
           <a:p>
             <a:fld id="{84943254-C9CD-47B7-9CF2-865680382494}" type="datetimeFigureOut">
               <a:rPr kumimoji="1" lang="ja-JP" altLang="en-US" smtClean="0"/>
-              <a:t>2020/11/26</a:t>
+              <a:t>2020/12/7</a:t>
             </a:fld>
             <a:endParaRPr kumimoji="1" lang="ja-JP" altLang="en-US"/>
           </a:p>
@@ -2855,7 +2855,7 @@
           <a:p>
             <a:fld id="{84943254-C9CD-47B7-9CF2-865680382494}" type="datetimeFigureOut">
               <a:rPr kumimoji="1" lang="ja-JP" altLang="en-US" smtClean="0"/>
-              <a:t>2020/11/26</a:t>
+              <a:t>2020/12/7</a:t>
             </a:fld>
             <a:endParaRPr kumimoji="1" lang="ja-JP" altLang="en-US"/>
           </a:p>
@@ -3382,7 +3382,7 @@
         <p:spPr>
           <a:xfrm>
             <a:off x="377372" y="535743"/>
-            <a:ext cx="11408229" cy="5355312"/>
+            <a:ext cx="11408229" cy="5632311"/>
           </a:xfrm>
           <a:prstGeom prst="rect">
             <a:avLst/>
@@ -3408,7 +3408,59 @@
             </a:r>
             <a:r>
               <a:rPr lang="ja-JP" altLang="en-US" dirty="0" smtClean="0"/>
-              <a:t>バックスペースを押すとタイトルに戻る、何回か押すと落ちる。</a:t>
+              <a:t>バックスペースを押すとタイトルに戻る、何回か押すと落ちる</a:t>
+            </a:r>
+            <a:r>
+              <a:rPr lang="ja-JP" altLang="en-US" dirty="0" smtClean="0"/>
+              <a:t>。</a:t>
+            </a:r>
+            <a:r>
+              <a:rPr lang="ja-JP" altLang="en-US" dirty="0" smtClean="0">
+                <a:solidFill>
+                  <a:srgbClr val="FF0000"/>
+                </a:solidFill>
+              </a:rPr>
+              <a:t>（</a:t>
+            </a:r>
+            <a:r>
+              <a:rPr lang="ja-JP" altLang="en-US" dirty="0" smtClean="0">
+                <a:solidFill>
+                  <a:srgbClr val="FF0000"/>
+                </a:solidFill>
+              </a:rPr>
+              <a:t>修正済み）</a:t>
+            </a:r>
+            <a:r>
+              <a:rPr lang="en-US" altLang="ja-JP" dirty="0" err="1" smtClean="0">
+                <a:solidFill>
+                  <a:srgbClr val="FF0000"/>
+                </a:solidFill>
+              </a:rPr>
+              <a:t>MainWindow.xaml.cs</a:t>
+            </a:r>
+            <a:r>
+              <a:rPr lang="ja-JP" altLang="en-US" dirty="0" smtClean="0">
+                <a:solidFill>
+                  <a:srgbClr val="FF0000"/>
+                </a:solidFill>
+              </a:rPr>
+              <a:t>内に</a:t>
+            </a:r>
+            <a:r>
+              <a:rPr lang="en-US" altLang="ja-JP" dirty="0" smtClean="0">
+                <a:solidFill>
+                  <a:srgbClr val="FF0000"/>
+                </a:solidFill>
+              </a:rPr>
+              <a:t>Backspace</a:t>
+            </a:r>
+            <a:r>
+              <a:rPr lang="ja-JP" altLang="en-US" smtClean="0">
+                <a:solidFill>
+                  <a:srgbClr val="FF0000"/>
+                </a:solidFill>
+              </a:rPr>
+              <a:t>禁止コードを記述済み</a:t>
             </a:r>
             <a:endParaRPr lang="en-US" altLang="ja-JP" dirty="0" smtClean="0"/>
           </a:p>
@@ -3488,11 +3540,7 @@
             </a:r>
             <a:r>
               <a:rPr lang="ja-JP" altLang="en-US" strike="sngStrike" dirty="0" smtClean="0"/>
-              <a:t>手書き入力を選択したのちキーボード入力に選択しなおすと落ちる。（逆は大丈夫</a:t>
-            </a:r>
-            <a:r>
-              <a:rPr lang="ja-JP" altLang="en-US" strike="sngStrike" dirty="0" smtClean="0"/>
-              <a:t>）</a:t>
+              <a:t>手書き入力を選択したのちキーボード入力に選択しなおすと落ちる。（逆は大丈夫）</a:t>
             </a:r>
             <a:r>
               <a:rPr lang="ja-JP" altLang="en-US" dirty="0">
@@ -3515,11 +3563,7 @@
             </a:r>
             <a:r>
               <a:rPr lang="ja-JP" altLang="en-US" strike="sngStrike" dirty="0" smtClean="0"/>
-              <a:t>ファイルネームに使えない文字を使うと落ちる</a:t>
-            </a:r>
-            <a:r>
-              <a:rPr lang="ja-JP" altLang="en-US" strike="sngStrike" dirty="0" smtClean="0"/>
-              <a:t>。</a:t>
+              <a:t>ファイルネームに使えない文字を使うと落ちる。</a:t>
             </a:r>
             <a:r>
               <a:rPr lang="en-US" altLang="ja-JP" dirty="0" smtClean="0">
@@ -3580,15 +3624,7 @@
                   <a:srgbClr val="FF0000"/>
                 </a:solidFill>
               </a:rPr>
-              <a:t>・第１回</a:t>
-            </a:r>
-            <a:r>
-              <a:rPr lang="ja-JP" altLang="en-US" dirty="0" smtClean="0">
-                <a:solidFill>
-                  <a:srgbClr val="FF0000"/>
-                </a:solidFill>
-              </a:rPr>
-              <a:t>（気持ちの種類選択画面全般に言える）</a:t>
+              <a:t>・第１回（気持ちの種類選択画面全般に言える）</a:t>
             </a:r>
             <a:endParaRPr lang="en-US" altLang="ja-JP" dirty="0" smtClean="0">
               <a:solidFill>
@@ -3629,11 +3665,7 @@
             </a:r>
             <a:r>
               <a:rPr kumimoji="1" lang="ja-JP" altLang="en-US" strike="sngStrike" dirty="0" smtClean="0"/>
-              <a:t>ではないから？</a:t>
-            </a:r>
-            <a:r>
-              <a:rPr kumimoji="1" lang="ja-JP" altLang="en-US" strike="sngStrike" dirty="0" smtClean="0"/>
-              <a:t>）</a:t>
+              <a:t>ではないから？）</a:t>
             </a:r>
             <a:endParaRPr kumimoji="1" lang="en-US" altLang="ja-JP" strike="sngStrike" dirty="0" smtClean="0"/>
           </a:p>

--- a/こころアップタイム　デバック結果　2020 1120.pptx
+++ b/こころアップタイム　デバック結果　2020 1120.pptx
@@ -8,7 +8,8 @@
     <p:sldId id="256" r:id="rId2"/>
     <p:sldId id="258" r:id="rId3"/>
     <p:sldId id="259" r:id="rId4"/>
-    <p:sldId id="260" r:id="rId5"/>
+    <p:sldId id="261" r:id="rId5"/>
+    <p:sldId id="260" r:id="rId6"/>
   </p:sldIdLst>
   <p:sldSz cx="12192000" cy="6858000"/>
   <p:notesSz cx="6858000" cy="9144000"/>
@@ -246,7 +247,7 @@
           <a:p>
             <a:fld id="{84943254-C9CD-47B7-9CF2-865680382494}" type="datetimeFigureOut">
               <a:rPr kumimoji="1" lang="ja-JP" altLang="en-US" smtClean="0"/>
-              <a:t>2020/12/7</a:t>
+              <a:t>2020/12/9</a:t>
             </a:fld>
             <a:endParaRPr kumimoji="1" lang="ja-JP" altLang="en-US"/>
           </a:p>
@@ -448,7 +449,7 @@
           <a:p>
             <a:fld id="{84943254-C9CD-47B7-9CF2-865680382494}" type="datetimeFigureOut">
               <a:rPr kumimoji="1" lang="ja-JP" altLang="en-US" smtClean="0"/>
-              <a:t>2020/12/7</a:t>
+              <a:t>2020/12/9</a:t>
             </a:fld>
             <a:endParaRPr kumimoji="1" lang="ja-JP" altLang="en-US"/>
           </a:p>
@@ -660,7 +661,7 @@
           <a:p>
             <a:fld id="{84943254-C9CD-47B7-9CF2-865680382494}" type="datetimeFigureOut">
               <a:rPr kumimoji="1" lang="ja-JP" altLang="en-US" smtClean="0"/>
-              <a:t>2020/12/7</a:t>
+              <a:t>2020/12/9</a:t>
             </a:fld>
             <a:endParaRPr kumimoji="1" lang="ja-JP" altLang="en-US"/>
           </a:p>
@@ -862,7 +863,7 @@
           <a:p>
             <a:fld id="{84943254-C9CD-47B7-9CF2-865680382494}" type="datetimeFigureOut">
               <a:rPr kumimoji="1" lang="ja-JP" altLang="en-US" smtClean="0"/>
-              <a:t>2020/12/7</a:t>
+              <a:t>2020/12/9</a:t>
             </a:fld>
             <a:endParaRPr kumimoji="1" lang="ja-JP" altLang="en-US"/>
           </a:p>
@@ -1108,7 +1109,7 @@
           <a:p>
             <a:fld id="{84943254-C9CD-47B7-9CF2-865680382494}" type="datetimeFigureOut">
               <a:rPr kumimoji="1" lang="ja-JP" altLang="en-US" smtClean="0"/>
-              <a:t>2020/12/7</a:t>
+              <a:t>2020/12/9</a:t>
             </a:fld>
             <a:endParaRPr kumimoji="1" lang="ja-JP" altLang="en-US"/>
           </a:p>
@@ -1404,7 +1405,7 @@
           <a:p>
             <a:fld id="{84943254-C9CD-47B7-9CF2-865680382494}" type="datetimeFigureOut">
               <a:rPr kumimoji="1" lang="ja-JP" altLang="en-US" smtClean="0"/>
-              <a:t>2020/12/7</a:t>
+              <a:t>2020/12/9</a:t>
             </a:fld>
             <a:endParaRPr kumimoji="1" lang="ja-JP" altLang="en-US"/>
           </a:p>
@@ -1835,7 +1836,7 @@
           <a:p>
             <a:fld id="{84943254-C9CD-47B7-9CF2-865680382494}" type="datetimeFigureOut">
               <a:rPr kumimoji="1" lang="ja-JP" altLang="en-US" smtClean="0"/>
-              <a:t>2020/12/7</a:t>
+              <a:t>2020/12/9</a:t>
             </a:fld>
             <a:endParaRPr kumimoji="1" lang="ja-JP" altLang="en-US"/>
           </a:p>
@@ -1953,7 +1954,7 @@
           <a:p>
             <a:fld id="{84943254-C9CD-47B7-9CF2-865680382494}" type="datetimeFigureOut">
               <a:rPr kumimoji="1" lang="ja-JP" altLang="en-US" smtClean="0"/>
-              <a:t>2020/12/7</a:t>
+              <a:t>2020/12/9</a:t>
             </a:fld>
             <a:endParaRPr kumimoji="1" lang="ja-JP" altLang="en-US"/>
           </a:p>
@@ -2048,7 +2049,7 @@
           <a:p>
             <a:fld id="{84943254-C9CD-47B7-9CF2-865680382494}" type="datetimeFigureOut">
               <a:rPr kumimoji="1" lang="ja-JP" altLang="en-US" smtClean="0"/>
-              <a:t>2020/12/7</a:t>
+              <a:t>2020/12/9</a:t>
             </a:fld>
             <a:endParaRPr kumimoji="1" lang="ja-JP" altLang="en-US"/>
           </a:p>
@@ -2357,7 +2358,7 @@
           <a:p>
             <a:fld id="{84943254-C9CD-47B7-9CF2-865680382494}" type="datetimeFigureOut">
               <a:rPr kumimoji="1" lang="ja-JP" altLang="en-US" smtClean="0"/>
-              <a:t>2020/12/7</a:t>
+              <a:t>2020/12/9</a:t>
             </a:fld>
             <a:endParaRPr kumimoji="1" lang="ja-JP" altLang="en-US"/>
           </a:p>
@@ -2610,7 +2611,7 @@
           <a:p>
             <a:fld id="{84943254-C9CD-47B7-9CF2-865680382494}" type="datetimeFigureOut">
               <a:rPr kumimoji="1" lang="ja-JP" altLang="en-US" smtClean="0"/>
-              <a:t>2020/12/7</a:t>
+              <a:t>2020/12/9</a:t>
             </a:fld>
             <a:endParaRPr kumimoji="1" lang="ja-JP" altLang="en-US"/>
           </a:p>
@@ -2855,7 +2856,7 @@
           <a:p>
             <a:fld id="{84943254-C9CD-47B7-9CF2-865680382494}" type="datetimeFigureOut">
               <a:rPr kumimoji="1" lang="ja-JP" altLang="en-US" smtClean="0"/>
-              <a:t>2020/12/7</a:t>
+              <a:t>2020/12/9</a:t>
             </a:fld>
             <a:endParaRPr kumimoji="1" lang="ja-JP" altLang="en-US"/>
           </a:p>
@@ -3408,11 +3409,7 @@
             </a:r>
             <a:r>
               <a:rPr lang="ja-JP" altLang="en-US" dirty="0" smtClean="0"/>
-              <a:t>バックスペースを押すとタイトルに戻る、何回か押すと落ちる</a:t>
-            </a:r>
-            <a:r>
-              <a:rPr lang="ja-JP" altLang="en-US" dirty="0" smtClean="0"/>
-              <a:t>。</a:t>
+              <a:t>バックスペースを押すとタイトルに戻る、何回か押すと落ちる。</a:t>
             </a:r>
             <a:r>
               <a:rPr lang="ja-JP" altLang="en-US" dirty="0" smtClean="0">
@@ -3420,15 +3417,7 @@
                   <a:srgbClr val="FF0000"/>
                 </a:solidFill>
               </a:rPr>
-              <a:t>（</a:t>
-            </a:r>
-            <a:r>
-              <a:rPr lang="ja-JP" altLang="en-US" dirty="0" smtClean="0">
-                <a:solidFill>
-                  <a:srgbClr val="FF0000"/>
-                </a:solidFill>
-              </a:rPr>
-              <a:t>修正済み）</a:t>
+              <a:t>（修正済み）</a:t>
             </a:r>
             <a:r>
               <a:rPr lang="en-US" altLang="ja-JP" dirty="0" err="1" smtClean="0">
@@ -3756,7 +3745,7 @@
         <p:spPr>
           <a:xfrm>
             <a:off x="1103086" y="680000"/>
-            <a:ext cx="10174514" cy="4801314"/>
+            <a:ext cx="10174514" cy="5355312"/>
           </a:xfrm>
           <a:prstGeom prst="rect">
             <a:avLst/>
@@ -3788,36 +3777,75 @@
               <a:t>　</a:t>
             </a:r>
             <a:r>
-              <a:rPr lang="ja-JP" altLang="en-US" dirty="0" smtClean="0"/>
+              <a:rPr lang="ja-JP" altLang="en-US" strike="sngStrike" dirty="0" smtClean="0"/>
               <a:t>グループアクティビティ　ちょっぴりうきうき入力画面</a:t>
             </a:r>
-            <a:endParaRPr lang="en-US" altLang="ja-JP" dirty="0"/>
-          </a:p>
-          <a:p>
+            <a:endParaRPr lang="en-US" altLang="ja-JP" strike="sngStrike" dirty="0"/>
+          </a:p>
+          <a:p>
+            <a:r>
+              <a:rPr lang="ja-JP" altLang="en-US" strike="sngStrike" dirty="0"/>
+              <a:t>　キーボード入力で６個以上だとおちる。（はみ出る</a:t>
+            </a:r>
+            <a:r>
+              <a:rPr lang="ja-JP" altLang="en-US" strike="sngStrike" dirty="0" smtClean="0"/>
+              <a:t>と落ちる？）</a:t>
+            </a:r>
+            <a:endParaRPr lang="en-US" altLang="ja-JP" strike="sngStrike" dirty="0"/>
+          </a:p>
+          <a:p>
+            <a:r>
+              <a:rPr lang="ja-JP" altLang="en-US" strike="sngStrike" dirty="0"/>
+              <a:t>　スクロールバーが表示されるが反応しない（白じいとかぶってる？</a:t>
+            </a:r>
+            <a:r>
+              <a:rPr lang="ja-JP" altLang="en-US" strike="sngStrike" dirty="0" smtClean="0"/>
+              <a:t>）</a:t>
+            </a:r>
+            <a:endParaRPr lang="en-US" altLang="ja-JP" strike="sngStrike" dirty="0" smtClean="0"/>
+          </a:p>
+          <a:p>
+            <a:r>
+              <a:rPr lang="ja-JP" altLang="en-US" dirty="0">
+                <a:solidFill>
+                  <a:srgbClr val="FF0000"/>
+                </a:solidFill>
+              </a:rPr>
+              <a:t>　</a:t>
+            </a:r>
+            <a:r>
+              <a:rPr lang="ja-JP" altLang="en-US" dirty="0" smtClean="0">
+                <a:solidFill>
+                  <a:srgbClr val="FF0000"/>
+                </a:solidFill>
+              </a:rPr>
+              <a:t>→</a:t>
+            </a:r>
+            <a:r>
+              <a:rPr lang="en-US" altLang="ja-JP" dirty="0" smtClean="0">
+                <a:solidFill>
+                  <a:srgbClr val="FF0000"/>
+                </a:solidFill>
+              </a:rPr>
+              <a:t>6</a:t>
+            </a:r>
+            <a:r>
+              <a:rPr lang="ja-JP" altLang="en-US" dirty="0" smtClean="0">
+                <a:solidFill>
+                  <a:srgbClr val="FF0000"/>
+                </a:solidFill>
+              </a:rPr>
+              <a:t>行以上文字を入力できないよう修正</a:t>
+            </a:r>
             <a:r>
               <a:rPr lang="ja-JP" altLang="en-US" dirty="0"/>
-              <a:t>　キーボード入力で６個以上だとおちる。（はみ出る</a:t>
-            </a:r>
-            <a:r>
-              <a:rPr lang="ja-JP" altLang="en-US" dirty="0" smtClean="0"/>
-              <a:t>と落ちる？）</a:t>
-            </a:r>
-            <a:endParaRPr lang="en-US" altLang="ja-JP" dirty="0"/>
-          </a:p>
-          <a:p>
-            <a:r>
-              <a:rPr lang="ja-JP" altLang="en-US" dirty="0"/>
-              <a:t>　スクロールバーが表示されるが反応しない（白じいとかぶってる？</a:t>
-            </a:r>
-            <a:r>
-              <a:rPr lang="ja-JP" altLang="en-US" dirty="0" smtClean="0"/>
-              <a:t>）</a:t>
+              <a:t>　</a:t>
             </a:r>
             <a:endParaRPr lang="en-US" altLang="ja-JP" dirty="0" smtClean="0"/>
           </a:p>
           <a:p>
             <a:r>
-              <a:rPr lang="ja-JP" altLang="en-US" dirty="0"/>
+              <a:rPr lang="ja-JP" altLang="en-US" strike="sngStrike" dirty="0" smtClean="0"/>
               <a:t>　</a:t>
             </a:r>
             <a:r>
@@ -3855,13 +3883,52 @@
           <a:p>
             <a:r>
               <a:rPr lang="ja-JP" altLang="en-US" dirty="0"/>
-              <a:t>　白じいの言葉</a:t>
-            </a:r>
+              <a:t>　</a:t>
+            </a:r>
+            <a:r>
+              <a:rPr lang="ja-JP" altLang="en-US" strike="sngStrike" dirty="0"/>
+              <a:t>白じいの言葉</a:t>
+            </a:r>
+            <a:r>
+              <a:rPr lang="ja-JP" altLang="en-US" strike="sngStrike" dirty="0" smtClean="0"/>
+              <a:t>がボタンより手前にあり選択</a:t>
+            </a:r>
+            <a:r>
+              <a:rPr lang="ja-JP" altLang="en-US" strike="sngStrike" dirty="0" smtClean="0"/>
+              <a:t>できない</a:t>
+            </a:r>
+            <a:r>
+              <a:rPr lang="ja-JP" altLang="en-US" dirty="0" smtClean="0">
+                <a:solidFill>
+                  <a:srgbClr val="FF0000"/>
+                </a:solidFill>
+              </a:rPr>
+              <a:t>白じいのセリフの吹き出しサイズ変更及び</a:t>
+            </a:r>
+            <a:endParaRPr lang="en-US" altLang="ja-JP" strike="sngStrike" dirty="0" smtClean="0">
+              <a:solidFill>
+                <a:srgbClr val="FF0000"/>
+              </a:solidFill>
+            </a:endParaRPr>
+          </a:p>
+          <a:p>
             <a:r>
               <a:rPr lang="ja-JP" altLang="en-US" dirty="0" smtClean="0"/>
-              <a:t>がボタンより手前にあり選択できない</a:t>
-            </a:r>
-            <a:endParaRPr lang="en-US" altLang="ja-JP" dirty="0" smtClean="0"/>
+              <a:t>　</a:t>
+            </a:r>
+            <a:r>
+              <a:rPr lang="ja-JP" altLang="en-US" dirty="0" smtClean="0">
+                <a:solidFill>
+                  <a:srgbClr val="FF0000"/>
+                </a:solidFill>
+              </a:rPr>
+              <a:t>アニメーションでフェードアウトするよう修正</a:t>
+            </a:r>
+            <a:endParaRPr lang="en-US" altLang="ja-JP" dirty="0" smtClean="0">
+              <a:solidFill>
+                <a:srgbClr val="FF0000"/>
+              </a:solidFill>
+            </a:endParaRPr>
           </a:p>
           <a:p>
             <a:endParaRPr lang="en-US" altLang="ja-JP" dirty="0"/>
@@ -3986,6 +4053,36 @@
 </file>
 
 <file path=ppt/slides/slide4.xml><?xml version="1.0" encoding="utf-8"?>
+<p:sld xmlns:a="http://schemas.openxmlformats.org/drawingml/2006/main" xmlns:r="http://schemas.openxmlformats.org/officeDocument/2006/relationships" xmlns:p="http://schemas.openxmlformats.org/presentationml/2006/main">
+  <p:cSld>
+    <p:spTree>
+      <p:nvGrpSpPr>
+        <p:cNvPr id="1" name=""/>
+        <p:cNvGrpSpPr/>
+        <p:nvPr/>
+      </p:nvGrpSpPr>
+      <p:grpSpPr>
+        <a:xfrm>
+          <a:off x="0" y="0"/>
+          <a:ext cx="0" cy="0"/>
+          <a:chOff x="0" y="0"/>
+          <a:chExt cx="0" cy="0"/>
+        </a:xfrm>
+      </p:grpSpPr>
+    </p:spTree>
+    <p:extLst>
+      <p:ext uri="{BB962C8B-B14F-4D97-AF65-F5344CB8AC3E}">
+        <p14:creationId xmlns:p14="http://schemas.microsoft.com/office/powerpoint/2010/main" val="3059174841"/>
+      </p:ext>
+    </p:extLst>
+  </p:cSld>
+  <p:clrMapOvr>
+    <a:masterClrMapping/>
+  </p:clrMapOvr>
+</p:sld>
+</file>
+
+<file path=ppt/slides/slide5.xml><?xml version="1.0" encoding="utf-8"?>
 <p:sld xmlns:a="http://schemas.openxmlformats.org/drawingml/2006/main" xmlns:r="http://schemas.openxmlformats.org/officeDocument/2006/relationships" xmlns:p="http://schemas.openxmlformats.org/presentationml/2006/main">
   <p:cSld>
     <p:spTree>

--- a/こころアップタイム　デバック結果　2020 1120.pptx
+++ b/こころアップタイム　デバック結果　2020 1120.pptx
@@ -8,8 +8,7 @@
     <p:sldId id="256" r:id="rId2"/>
     <p:sldId id="258" r:id="rId3"/>
     <p:sldId id="259" r:id="rId4"/>
-    <p:sldId id="261" r:id="rId5"/>
-    <p:sldId id="260" r:id="rId6"/>
+    <p:sldId id="260" r:id="rId5"/>
   </p:sldIdLst>
   <p:sldSz cx="12192000" cy="6858000"/>
   <p:notesSz cx="6858000" cy="9144000"/>
@@ -247,7 +246,7 @@
           <a:p>
             <a:fld id="{84943254-C9CD-47B7-9CF2-865680382494}" type="datetimeFigureOut">
               <a:rPr kumimoji="1" lang="ja-JP" altLang="en-US" smtClean="0"/>
-              <a:t>2020/12/9</a:t>
+              <a:t>2020/12/21</a:t>
             </a:fld>
             <a:endParaRPr kumimoji="1" lang="ja-JP" altLang="en-US"/>
           </a:p>
@@ -449,7 +448,7 @@
           <a:p>
             <a:fld id="{84943254-C9CD-47B7-9CF2-865680382494}" type="datetimeFigureOut">
               <a:rPr kumimoji="1" lang="ja-JP" altLang="en-US" smtClean="0"/>
-              <a:t>2020/12/9</a:t>
+              <a:t>2020/12/21</a:t>
             </a:fld>
             <a:endParaRPr kumimoji="1" lang="ja-JP" altLang="en-US"/>
           </a:p>
@@ -661,7 +660,7 @@
           <a:p>
             <a:fld id="{84943254-C9CD-47B7-9CF2-865680382494}" type="datetimeFigureOut">
               <a:rPr kumimoji="1" lang="ja-JP" altLang="en-US" smtClean="0"/>
-              <a:t>2020/12/9</a:t>
+              <a:t>2020/12/21</a:t>
             </a:fld>
             <a:endParaRPr kumimoji="1" lang="ja-JP" altLang="en-US"/>
           </a:p>
@@ -863,7 +862,7 @@
           <a:p>
             <a:fld id="{84943254-C9CD-47B7-9CF2-865680382494}" type="datetimeFigureOut">
               <a:rPr kumimoji="1" lang="ja-JP" altLang="en-US" smtClean="0"/>
-              <a:t>2020/12/9</a:t>
+              <a:t>2020/12/21</a:t>
             </a:fld>
             <a:endParaRPr kumimoji="1" lang="ja-JP" altLang="en-US"/>
           </a:p>
@@ -1109,7 +1108,7 @@
           <a:p>
             <a:fld id="{84943254-C9CD-47B7-9CF2-865680382494}" type="datetimeFigureOut">
               <a:rPr kumimoji="1" lang="ja-JP" altLang="en-US" smtClean="0"/>
-              <a:t>2020/12/9</a:t>
+              <a:t>2020/12/21</a:t>
             </a:fld>
             <a:endParaRPr kumimoji="1" lang="ja-JP" altLang="en-US"/>
           </a:p>
@@ -1405,7 +1404,7 @@
           <a:p>
             <a:fld id="{84943254-C9CD-47B7-9CF2-865680382494}" type="datetimeFigureOut">
               <a:rPr kumimoji="1" lang="ja-JP" altLang="en-US" smtClean="0"/>
-              <a:t>2020/12/9</a:t>
+              <a:t>2020/12/21</a:t>
             </a:fld>
             <a:endParaRPr kumimoji="1" lang="ja-JP" altLang="en-US"/>
           </a:p>
@@ -1836,7 +1835,7 @@
           <a:p>
             <a:fld id="{84943254-C9CD-47B7-9CF2-865680382494}" type="datetimeFigureOut">
               <a:rPr kumimoji="1" lang="ja-JP" altLang="en-US" smtClean="0"/>
-              <a:t>2020/12/9</a:t>
+              <a:t>2020/12/21</a:t>
             </a:fld>
             <a:endParaRPr kumimoji="1" lang="ja-JP" altLang="en-US"/>
           </a:p>
@@ -1954,7 +1953,7 @@
           <a:p>
             <a:fld id="{84943254-C9CD-47B7-9CF2-865680382494}" type="datetimeFigureOut">
               <a:rPr kumimoji="1" lang="ja-JP" altLang="en-US" smtClean="0"/>
-              <a:t>2020/12/9</a:t>
+              <a:t>2020/12/21</a:t>
             </a:fld>
             <a:endParaRPr kumimoji="1" lang="ja-JP" altLang="en-US"/>
           </a:p>
@@ -2049,7 +2048,7 @@
           <a:p>
             <a:fld id="{84943254-C9CD-47B7-9CF2-865680382494}" type="datetimeFigureOut">
               <a:rPr kumimoji="1" lang="ja-JP" altLang="en-US" smtClean="0"/>
-              <a:t>2020/12/9</a:t>
+              <a:t>2020/12/21</a:t>
             </a:fld>
             <a:endParaRPr kumimoji="1" lang="ja-JP" altLang="en-US"/>
           </a:p>
@@ -2358,7 +2357,7 @@
           <a:p>
             <a:fld id="{84943254-C9CD-47B7-9CF2-865680382494}" type="datetimeFigureOut">
               <a:rPr kumimoji="1" lang="ja-JP" altLang="en-US" smtClean="0"/>
-              <a:t>2020/12/9</a:t>
+              <a:t>2020/12/21</a:t>
             </a:fld>
             <a:endParaRPr kumimoji="1" lang="ja-JP" altLang="en-US"/>
           </a:p>
@@ -2611,7 +2610,7 @@
           <a:p>
             <a:fld id="{84943254-C9CD-47B7-9CF2-865680382494}" type="datetimeFigureOut">
               <a:rPr kumimoji="1" lang="ja-JP" altLang="en-US" smtClean="0"/>
-              <a:t>2020/12/9</a:t>
+              <a:t>2020/12/21</a:t>
             </a:fld>
             <a:endParaRPr kumimoji="1" lang="ja-JP" altLang="en-US"/>
           </a:p>
@@ -2856,7 +2855,7 @@
           <a:p>
             <a:fld id="{84943254-C9CD-47B7-9CF2-865680382494}" type="datetimeFigureOut">
               <a:rPr kumimoji="1" lang="ja-JP" altLang="en-US" smtClean="0"/>
-              <a:t>2020/12/9</a:t>
+              <a:t>2020/12/21</a:t>
             </a:fld>
             <a:endParaRPr kumimoji="1" lang="ja-JP" altLang="en-US"/>
           </a:p>
@@ -3745,7 +3744,7 @@
         <p:spPr>
           <a:xfrm>
             <a:off x="1103086" y="680000"/>
-            <a:ext cx="10174514" cy="5355312"/>
+            <a:ext cx="10174514" cy="5909310"/>
           </a:xfrm>
           <a:prstGeom prst="rect">
             <a:avLst/>
@@ -3891,11 +3890,7 @@
             </a:r>
             <a:r>
               <a:rPr lang="ja-JP" altLang="en-US" strike="sngStrike" dirty="0" smtClean="0"/>
-              <a:t>がボタンより手前にあり選択</a:t>
-            </a:r>
-            <a:r>
-              <a:rPr lang="ja-JP" altLang="en-US" strike="sngStrike" dirty="0" smtClean="0"/>
-              <a:t>できない</a:t>
+              <a:t>がボタンより手前にあり選択できない</a:t>
             </a:r>
             <a:r>
               <a:rPr lang="ja-JP" altLang="en-US" dirty="0" smtClean="0">
@@ -3977,59 +3972,113 @@
           <a:p>
             <a:r>
               <a:rPr lang="ja-JP" altLang="en-US" dirty="0"/>
-              <a:t>　エンディング前で</a:t>
-            </a:r>
-            <a:r>
-              <a:rPr lang="ja-JP" altLang="en-US" dirty="0" smtClean="0"/>
-              <a:t>止まった（まとめのシーンから次のページをクリックすると止まる）</a:t>
-            </a:r>
-            <a:endParaRPr lang="en-US" altLang="ja-JP" dirty="0" smtClean="0"/>
-          </a:p>
-          <a:p>
-            <a:endParaRPr lang="en-US" altLang="ja-JP" dirty="0"/>
-          </a:p>
-          <a:p>
-            <a:r>
-              <a:rPr lang="ja-JP" altLang="en-US" dirty="0"/>
-              <a:t>・第６回</a:t>
-            </a:r>
-            <a:endParaRPr lang="en-US" altLang="ja-JP" dirty="0"/>
-          </a:p>
-          <a:p>
-            <a:r>
-              <a:rPr lang="ja-JP" altLang="en-US" dirty="0"/>
-              <a:t>　最初</a:t>
-            </a:r>
-            <a:r>
-              <a:rPr lang="ja-JP" altLang="en-US" dirty="0" smtClean="0"/>
-              <a:t>の</a:t>
-            </a:r>
-            <a:r>
-              <a:rPr lang="ja-JP" altLang="en-US" dirty="0"/>
-              <a:t>せりふが飛ばされる</a:t>
-            </a:r>
-            <a:endParaRPr lang="en-US" altLang="ja-JP" dirty="0"/>
-          </a:p>
-          <a:p>
-            <a:r>
-              <a:rPr lang="ja-JP" altLang="en-US" dirty="0"/>
               <a:t>　</a:t>
             </a:r>
             <a:r>
               <a:rPr lang="ja-JP" altLang="en-US" strike="sngStrike" dirty="0"/>
-              <a:t>前回のアイテム確認で表示される画像が</a:t>
+              <a:t>エンディング前で</a:t>
             </a:r>
             <a:r>
               <a:rPr lang="ja-JP" altLang="en-US" strike="sngStrike" dirty="0" smtClean="0"/>
-              <a:t>違う</a:t>
-            </a:r>
+              <a:t>止まった（まとめのシーンから次のページをクリックすると止まる</a:t>
+            </a:r>
+            <a:r>
+              <a:rPr lang="ja-JP" altLang="en-US" strike="sngStrike" dirty="0" smtClean="0"/>
+              <a:t>）</a:t>
+            </a:r>
+            <a:endParaRPr lang="en-US" altLang="ja-JP" strike="sngStrike" dirty="0" smtClean="0"/>
+          </a:p>
+          <a:p>
             <a:r>
               <a:rPr lang="ja-JP" altLang="en-US" dirty="0" smtClean="0">
                 <a:solidFill>
                   <a:srgbClr val="FF0000"/>
                 </a:solidFill>
               </a:rPr>
-              <a:t>修正済み　１１８５　５１８</a:t>
+              <a:t>　修正済み（</a:t>
+            </a:r>
+            <a:r>
+              <a:rPr lang="en-US" altLang="ja-JP" dirty="0" smtClean="0">
+                <a:solidFill>
+                  <a:srgbClr val="FF0000"/>
+                </a:solidFill>
+              </a:rPr>
+              <a:t>Gif</a:t>
+            </a:r>
+            <a:r>
+              <a:rPr lang="ja-JP" altLang="en-US" dirty="0" smtClean="0">
+                <a:solidFill>
+                  <a:srgbClr val="FF0000"/>
+                </a:solidFill>
+              </a:rPr>
+              <a:t>画像表示用のライブラリによるメモリリークが原因）</a:t>
+            </a:r>
+            <a:endParaRPr lang="en-US" altLang="ja-JP" strike="sngStrike" dirty="0"/>
+          </a:p>
+          <a:p>
+            <a:endParaRPr lang="en-US" altLang="ja-JP" strike="sngStrike" dirty="0" smtClean="0"/>
+          </a:p>
+          <a:p>
+            <a:endParaRPr lang="en-US" altLang="ja-JP" dirty="0"/>
+          </a:p>
+          <a:p>
+            <a:r>
+              <a:rPr lang="ja-JP" altLang="en-US" dirty="0"/>
+              <a:t>・第６回</a:t>
+            </a:r>
+            <a:endParaRPr lang="en-US" altLang="ja-JP" dirty="0"/>
+          </a:p>
+          <a:p>
+            <a:r>
+              <a:rPr lang="ja-JP" altLang="en-US" dirty="0"/>
+              <a:t>　</a:t>
+            </a:r>
+            <a:r>
+              <a:rPr lang="ja-JP" altLang="en-US" strike="sngStrike" dirty="0"/>
+              <a:t>最初</a:t>
+            </a:r>
+            <a:r>
+              <a:rPr lang="ja-JP" altLang="en-US" strike="sngStrike" dirty="0" smtClean="0"/>
+              <a:t>の</a:t>
+            </a:r>
+            <a:r>
+              <a:rPr lang="ja-JP" altLang="en-US" strike="sngStrike" dirty="0"/>
+              <a:t>せりふが</a:t>
+            </a:r>
+            <a:r>
+              <a:rPr lang="ja-JP" altLang="en-US" strike="sngStrike" dirty="0" smtClean="0"/>
+              <a:t>飛ばされる</a:t>
+            </a:r>
+            <a:r>
+              <a:rPr lang="ja-JP" altLang="en-US" dirty="0">
+                <a:solidFill>
+                  <a:srgbClr val="FF0000"/>
+                </a:solidFill>
+              </a:rPr>
+              <a:t>修正済み</a:t>
+            </a:r>
+            <a:endParaRPr lang="en-US" altLang="ja-JP" strike="sngStrike" dirty="0"/>
+          </a:p>
+          <a:p>
+            <a:r>
+              <a:rPr lang="ja-JP" altLang="en-US" dirty="0"/>
+              <a:t>　</a:t>
+            </a:r>
+            <a:r>
+              <a:rPr lang="ja-JP" altLang="en-US" strike="sngStrike" dirty="0"/>
+              <a:t>前回のアイテム確認で表示される画像が</a:t>
+            </a:r>
+            <a:r>
+              <a:rPr lang="ja-JP" altLang="en-US" strike="sngStrike" dirty="0" smtClean="0"/>
+              <a:t>違う</a:t>
+            </a:r>
+            <a:r>
+              <a:rPr lang="ja-JP" altLang="en-US" dirty="0" smtClean="0">
+                <a:solidFill>
+                  <a:srgbClr val="FF0000"/>
+                </a:solidFill>
+              </a:rPr>
+              <a:t>修正済み</a:t>
             </a:r>
             <a:endParaRPr lang="en-US" altLang="ja-JP" strike="sngStrike" dirty="0">
               <a:solidFill>
@@ -4053,36 +4102,6 @@
 </file>
 
 <file path=ppt/slides/slide4.xml><?xml version="1.0" encoding="utf-8"?>
-<p:sld xmlns:a="http://schemas.openxmlformats.org/drawingml/2006/main" xmlns:r="http://schemas.openxmlformats.org/officeDocument/2006/relationships" xmlns:p="http://schemas.openxmlformats.org/presentationml/2006/main">
-  <p:cSld>
-    <p:spTree>
-      <p:nvGrpSpPr>
-        <p:cNvPr id="1" name=""/>
-        <p:cNvGrpSpPr/>
-        <p:nvPr/>
-      </p:nvGrpSpPr>
-      <p:grpSpPr>
-        <a:xfrm>
-          <a:off x="0" y="0"/>
-          <a:ext cx="0" cy="0"/>
-          <a:chOff x="0" y="0"/>
-          <a:chExt cx="0" cy="0"/>
-        </a:xfrm>
-      </p:grpSpPr>
-    </p:spTree>
-    <p:extLst>
-      <p:ext uri="{BB962C8B-B14F-4D97-AF65-F5344CB8AC3E}">
-        <p14:creationId xmlns:p14="http://schemas.microsoft.com/office/powerpoint/2010/main" val="3059174841"/>
-      </p:ext>
-    </p:extLst>
-  </p:cSld>
-  <p:clrMapOvr>
-    <a:masterClrMapping/>
-  </p:clrMapOvr>
-</p:sld>
-</file>
-
-<file path=ppt/slides/slide5.xml><?xml version="1.0" encoding="utf-8"?>
 <p:sld xmlns:a="http://schemas.openxmlformats.org/drawingml/2006/main" xmlns:r="http://schemas.openxmlformats.org/officeDocument/2006/relationships" xmlns:p="http://schemas.openxmlformats.org/presentationml/2006/main">
   <p:cSld>
     <p:spTree>
